--- a/Presentation 3.pptx
+++ b/Presentation 3.pptx
@@ -234,7 +234,7 @@
           <a:p>
             <a:fld id="{05F20340-5F27-406E-B711-4B1F5EB5DDB0}" type="datetimeFigureOut">
               <a:rPr lang="fr-BE" smtClean="0"/>
-              <a:t>9/05/2018</a:t>
+              <a:t>11/05/2018</a:t>
             </a:fld>
             <a:endParaRPr lang="fr-BE"/>
           </a:p>
@@ -2163,7 +2163,7 @@
           <a:p>
             <a:fld id="{66D6831D-8C29-4FE5-8BB2-85DCA46834C4}" type="datetime1">
               <a:rPr lang="en-US" smtClean="0"/>
-              <a:t>5/9/2018</a:t>
+              <a:t>5/11/2018</a:t>
             </a:fld>
             <a:endParaRPr lang="en-US" dirty="0"/>
           </a:p>
@@ -2372,7 +2372,7 @@
           <a:p>
             <a:fld id="{960169FE-F23C-41F7-82FA-40D2A59A9936}" type="datetime1">
               <a:rPr lang="en-US" smtClean="0"/>
-              <a:t>5/9/2018</a:t>
+              <a:t>5/11/2018</a:t>
             </a:fld>
             <a:endParaRPr lang="en-US" dirty="0"/>
           </a:p>
@@ -2629,7 +2629,7 @@
           <a:p>
             <a:fld id="{0AE5FC25-64D0-4EF3-9AA5-BFA1CD1630C8}" type="datetime1">
               <a:rPr lang="en-US" smtClean="0"/>
-              <a:t>5/9/2018</a:t>
+              <a:t>5/11/2018</a:t>
             </a:fld>
             <a:endParaRPr lang="en-US" dirty="0"/>
           </a:p>
@@ -2804,7 +2804,7 @@
           <a:p>
             <a:fld id="{650A681B-6054-4AA2-8E3A-3F02302D3342}" type="datetime1">
               <a:rPr lang="en-US" smtClean="0"/>
-              <a:t>5/9/2018</a:t>
+              <a:t>5/11/2018</a:t>
             </a:fld>
             <a:endParaRPr lang="en-US" dirty="0"/>
           </a:p>
@@ -3148,7 +3148,7 @@
           <a:p>
             <a:fld id="{0400E482-DC08-4C84-A879-3D3EFCFE10E9}" type="datetime1">
               <a:rPr lang="en-US" smtClean="0"/>
-              <a:t>5/9/2018</a:t>
+              <a:t>5/11/2018</a:t>
             </a:fld>
             <a:endParaRPr lang="en-US" dirty="0"/>
           </a:p>
@@ -3424,7 +3424,7 @@
           <a:p>
             <a:fld id="{BBDA6B62-9A16-481D-B1B0-AEB234493F55}" type="datetime1">
               <a:rPr lang="en-US" smtClean="0"/>
-              <a:t>5/9/2018</a:t>
+              <a:t>5/11/2018</a:t>
             </a:fld>
             <a:endParaRPr lang="en-US" dirty="0"/>
           </a:p>
@@ -3804,7 +3804,7 @@
           <a:p>
             <a:fld id="{2E41A891-B8B9-4A76-8068-988486FF8576}" type="datetime1">
               <a:rPr lang="en-US" smtClean="0"/>
-              <a:t>5/9/2018</a:t>
+              <a:t>5/11/2018</a:t>
             </a:fld>
             <a:endParaRPr lang="en-US" dirty="0"/>
           </a:p>
@@ -3923,7 +3923,7 @@
           <a:p>
             <a:fld id="{F4E25B22-911C-4471-ABDE-EBA83C64E597}" type="datetime1">
               <a:rPr lang="en-US" smtClean="0"/>
-              <a:t>5/9/2018</a:t>
+              <a:t>5/11/2018</a:t>
             </a:fld>
             <a:endParaRPr lang="en-US" dirty="0"/>
           </a:p>
@@ -4095,7 +4095,7 @@
           <a:p>
             <a:fld id="{4732E70F-39D6-4B49-A080-280ECEDBE68F}" type="datetime1">
               <a:rPr lang="en-US" smtClean="0"/>
-              <a:t>5/9/2018</a:t>
+              <a:t>5/11/2018</a:t>
             </a:fld>
             <a:endParaRPr lang="en-US" dirty="0"/>
           </a:p>
@@ -4450,7 +4450,7 @@
           <a:p>
             <a:fld id="{8FF62D70-FABD-4F47-A034-8E8C57890BF3}" type="datetime1">
               <a:rPr lang="en-US" smtClean="0"/>
-              <a:t>5/9/2018</a:t>
+              <a:t>5/11/2018</a:t>
             </a:fld>
             <a:endParaRPr lang="en-US" dirty="0"/>
           </a:p>
@@ -4833,7 +4833,7 @@
           <a:p>
             <a:fld id="{9F9FD7C7-715F-4E65-9C01-81149409177D}" type="datetime1">
               <a:rPr lang="en-US" smtClean="0"/>
-              <a:t>5/9/2018</a:t>
+              <a:t>5/11/2018</a:t>
             </a:fld>
             <a:endParaRPr lang="en-US" dirty="0"/>
           </a:p>
@@ -5121,7 +5121,7 @@
           <a:p>
             <a:fld id="{5E1DFF7E-4CF3-4F1B-A132-E9704E232A97}" type="datetime1">
               <a:rPr lang="en-US" smtClean="0"/>
-              <a:t>5/9/2018</a:t>
+              <a:t>5/11/2018</a:t>
             </a:fld>
             <a:endParaRPr lang="en-US" dirty="0"/>
           </a:p>
@@ -9018,7 +9018,7 @@
         </p:blipFill>
         <p:spPr>
           <a:xfrm>
-            <a:off x="0" y="0"/>
+            <a:off x="142043" y="-195308"/>
             <a:ext cx="12192000" cy="6492875"/>
           </a:xfrm>
           <a:prstGeom prst="rect">
@@ -9561,31 +9561,6 @@
       </p:grpSpPr>
       <p:sp>
         <p:nvSpPr>
-          <p:cNvPr id="2" name="Title 1">
-            <a:extLst>
-              <a:ext uri="{FF2B5EF4-FFF2-40B4-BE49-F238E27FC236}">
-                <a16:creationId xmlns:a16="http://schemas.microsoft.com/office/drawing/2014/main" id="{58F1CDC1-96A0-48E8-884B-92C6F464EC6B}"/>
-              </a:ext>
-            </a:extLst>
-          </p:cNvPr>
-          <p:cNvSpPr>
-            <a:spLocks noGrp="1"/>
-          </p:cNvSpPr>
-          <p:nvPr>
-            <p:ph type="title"/>
-          </p:nvPr>
-        </p:nvSpPr>
-        <p:spPr/>
-        <p:txBody>
-          <a:bodyPr/>
-          <a:lstStyle/>
-          <a:p>
-            <a:endParaRPr lang="fr-BE"/>
-          </a:p>
-        </p:txBody>
-      </p:sp>
-      <p:sp>
-        <p:nvSpPr>
           <p:cNvPr id="4" name="Slide Number Placeholder 3">
             <a:extLst>
               <a:ext uri="{FF2B5EF4-FFF2-40B4-BE49-F238E27FC236}">
@@ -9616,10 +9591,49 @@
       </p:sp>
       <p:pic>
         <p:nvPicPr>
-          <p:cNvPr id="5" name="Content Placeholder 4">
+          <p:cNvPr id="7" name="Picture 6">
             <a:extLst>
               <a:ext uri="{FF2B5EF4-FFF2-40B4-BE49-F238E27FC236}">
-                <a16:creationId xmlns:a16="http://schemas.microsoft.com/office/drawing/2014/main" id="{97F25B6B-62E4-477F-9110-4EF822868595}"/>
+                <a16:creationId xmlns:a16="http://schemas.microsoft.com/office/drawing/2014/main" id="{D07A4A62-437D-4225-AD0C-A3A3985036E8}"/>
+              </a:ext>
+            </a:extLst>
+          </p:cNvPr>
+          <p:cNvPicPr/>
+          <p:nvPr/>
+        </p:nvPicPr>
+        <p:blipFill>
+          <a:blip r:embed="rId2" cstate="print">
+            <a:extLst>
+              <a:ext uri="{28A0092B-C50C-407E-A947-70E740481C1C}">
+                <a14:useLocalDpi xmlns:a14="http://schemas.microsoft.com/office/drawing/2010/main" val="0"/>
+              </a:ext>
+            </a:extLst>
+          </a:blip>
+          <a:srcRect/>
+          <a:stretch>
+            <a:fillRect/>
+          </a:stretch>
+        </p:blipFill>
+        <p:spPr bwMode="auto">
+          <a:xfrm>
+            <a:off x="383664" y="158864"/>
+            <a:ext cx="11343738" cy="6037750"/>
+          </a:xfrm>
+          <a:prstGeom prst="rect">
+            <a:avLst/>
+          </a:prstGeom>
+          <a:noFill/>
+          <a:ln>
+            <a:noFill/>
+          </a:ln>
+        </p:spPr>
+      </p:pic>
+      <p:pic>
+        <p:nvPicPr>
+          <p:cNvPr id="8" name="Content Placeholder 9">
+            <a:extLst>
+              <a:ext uri="{FF2B5EF4-FFF2-40B4-BE49-F238E27FC236}">
+                <a16:creationId xmlns:a16="http://schemas.microsoft.com/office/drawing/2014/main" id="{39AC2431-7D42-4D1D-8215-03A9B5BACE46}"/>
               </a:ext>
             </a:extLst>
           </p:cNvPr>
@@ -9631,21 +9645,899 @@
           </p:nvPr>
         </p:nvPicPr>
         <p:blipFill>
-          <a:blip r:embed="rId2"/>
+          <a:blip r:embed="rId3"/>
           <a:stretch>
             <a:fillRect/>
           </a:stretch>
         </p:blipFill>
         <p:spPr>
           <a:xfrm>
-            <a:off x="395433" y="33090"/>
-            <a:ext cx="11462094" cy="6267635"/>
+            <a:off x="543611" y="4464519"/>
+            <a:ext cx="1557459" cy="973412"/>
+          </a:xfrm>
+        </p:spPr>
+      </p:pic>
+      <p:sp>
+        <p:nvSpPr>
+          <p:cNvPr id="9" name="Slide Number Placeholder 3">
+            <a:extLst>
+              <a:ext uri="{FF2B5EF4-FFF2-40B4-BE49-F238E27FC236}">
+                <a16:creationId xmlns:a16="http://schemas.microsoft.com/office/drawing/2014/main" id="{A4C22CF8-C553-4FA4-A6B1-F1F5369E5CAB}"/>
+              </a:ext>
+            </a:extLst>
+          </p:cNvPr>
+          <p:cNvSpPr txBox="1">
+            <a:spLocks/>
+          </p:cNvSpPr>
+          <p:nvPr/>
+        </p:nvSpPr>
+        <p:spPr>
+          <a:xfrm>
+            <a:off x="9826499" y="6094660"/>
+            <a:ext cx="1312025" cy="365125"/>
+          </a:xfrm>
+          <a:prstGeom prst="rect">
+            <a:avLst/>
+          </a:prstGeom>
+        </p:spPr>
+        <p:txBody>
+          <a:bodyPr vert="horz" lIns="91440" tIns="45720" rIns="91440" bIns="45720" rtlCol="0" anchor="ctr"/>
+          <a:lstStyle>
+            <a:defPPr>
+              <a:defRPr lang="en-US"/>
+            </a:defPPr>
+            <a:lvl1pPr marL="0" algn="r" defTabSz="457200" rtl="0" eaLnBrk="1" latinLnBrk="0" hangingPunct="1">
+              <a:defRPr sz="1050" kern="1200">
+                <a:solidFill>
+                  <a:srgbClr val="FFFFFF"/>
+                </a:solidFill>
+                <a:latin typeface="+mn-lt"/>
+                <a:ea typeface="+mn-ea"/>
+                <a:cs typeface="+mn-cs"/>
+              </a:defRPr>
+            </a:lvl1pPr>
+            <a:lvl2pPr marL="457200" algn="l" defTabSz="457200" rtl="0" eaLnBrk="1" latinLnBrk="0" hangingPunct="1">
+              <a:defRPr sz="1800" kern="1200">
+                <a:solidFill>
+                  <a:schemeClr val="tx1"/>
+                </a:solidFill>
+                <a:latin typeface="+mn-lt"/>
+                <a:ea typeface="+mn-ea"/>
+                <a:cs typeface="+mn-cs"/>
+              </a:defRPr>
+            </a:lvl2pPr>
+            <a:lvl3pPr marL="914400" algn="l" defTabSz="457200" rtl="0" eaLnBrk="1" latinLnBrk="0" hangingPunct="1">
+              <a:defRPr sz="1800" kern="1200">
+                <a:solidFill>
+                  <a:schemeClr val="tx1"/>
+                </a:solidFill>
+                <a:latin typeface="+mn-lt"/>
+                <a:ea typeface="+mn-ea"/>
+                <a:cs typeface="+mn-cs"/>
+              </a:defRPr>
+            </a:lvl3pPr>
+            <a:lvl4pPr marL="1371600" algn="l" defTabSz="457200" rtl="0" eaLnBrk="1" latinLnBrk="0" hangingPunct="1">
+              <a:defRPr sz="1800" kern="1200">
+                <a:solidFill>
+                  <a:schemeClr val="tx1"/>
+                </a:solidFill>
+                <a:latin typeface="+mn-lt"/>
+                <a:ea typeface="+mn-ea"/>
+                <a:cs typeface="+mn-cs"/>
+              </a:defRPr>
+            </a:lvl4pPr>
+            <a:lvl5pPr marL="1828800" algn="l" defTabSz="457200" rtl="0" eaLnBrk="1" latinLnBrk="0" hangingPunct="1">
+              <a:defRPr sz="1800" kern="1200">
+                <a:solidFill>
+                  <a:schemeClr val="tx1"/>
+                </a:solidFill>
+                <a:latin typeface="+mn-lt"/>
+                <a:ea typeface="+mn-ea"/>
+                <a:cs typeface="+mn-cs"/>
+              </a:defRPr>
+            </a:lvl5pPr>
+            <a:lvl6pPr marL="2286000" algn="l" defTabSz="457200" rtl="0" eaLnBrk="1" latinLnBrk="0" hangingPunct="1">
+              <a:defRPr sz="1800" kern="1200">
+                <a:solidFill>
+                  <a:schemeClr val="tx1"/>
+                </a:solidFill>
+                <a:latin typeface="+mn-lt"/>
+                <a:ea typeface="+mn-ea"/>
+                <a:cs typeface="+mn-cs"/>
+              </a:defRPr>
+            </a:lvl6pPr>
+            <a:lvl7pPr marL="2743200" algn="l" defTabSz="457200" rtl="0" eaLnBrk="1" latinLnBrk="0" hangingPunct="1">
+              <a:defRPr sz="1800" kern="1200">
+                <a:solidFill>
+                  <a:schemeClr val="tx1"/>
+                </a:solidFill>
+                <a:latin typeface="+mn-lt"/>
+                <a:ea typeface="+mn-ea"/>
+                <a:cs typeface="+mn-cs"/>
+              </a:defRPr>
+            </a:lvl7pPr>
+            <a:lvl8pPr marL="3200400" algn="l" defTabSz="457200" rtl="0" eaLnBrk="1" latinLnBrk="0" hangingPunct="1">
+              <a:defRPr sz="1800" kern="1200">
+                <a:solidFill>
+                  <a:schemeClr val="tx1"/>
+                </a:solidFill>
+                <a:latin typeface="+mn-lt"/>
+                <a:ea typeface="+mn-ea"/>
+                <a:cs typeface="+mn-cs"/>
+              </a:defRPr>
+            </a:lvl8pPr>
+            <a:lvl9pPr marL="3657600" algn="l" defTabSz="457200" rtl="0" eaLnBrk="1" latinLnBrk="0" hangingPunct="1">
+              <a:defRPr sz="1800" kern="1200">
+                <a:solidFill>
+                  <a:schemeClr val="tx1"/>
+                </a:solidFill>
+                <a:latin typeface="+mn-lt"/>
+                <a:ea typeface="+mn-ea"/>
+                <a:cs typeface="+mn-cs"/>
+              </a:defRPr>
+            </a:lvl9pPr>
+          </a:lstStyle>
+          <a:p>
+            <a:fld id="{D57F1E4F-1CFF-5643-939E-217C01CDF565}" type="slidenum">
+              <a:rPr lang="en-US" smtClean="0"/>
+              <a:pPr/>
+              <a:t>18</a:t>
+            </a:fld>
+            <a:endParaRPr lang="en-US" dirty="0"/>
+          </a:p>
+        </p:txBody>
+      </p:sp>
+      <p:pic>
+        <p:nvPicPr>
+          <p:cNvPr id="10" name="Picture 9">
+            <a:extLst>
+              <a:ext uri="{FF2B5EF4-FFF2-40B4-BE49-F238E27FC236}">
+                <a16:creationId xmlns:a16="http://schemas.microsoft.com/office/drawing/2014/main" id="{CF886D29-9833-4700-AAE8-1F3F2AB5CF6C}"/>
+              </a:ext>
+            </a:extLst>
+          </p:cNvPr>
+          <p:cNvPicPr>
+            <a:picLocks noChangeAspect="1"/>
+          </p:cNvPicPr>
+          <p:nvPr/>
+        </p:nvPicPr>
+        <p:blipFill>
+          <a:blip r:embed="rId4"/>
+          <a:stretch>
+            <a:fillRect/>
+          </a:stretch>
+        </p:blipFill>
+        <p:spPr>
+          <a:xfrm>
+            <a:off x="3540732" y="1431284"/>
+            <a:ext cx="1809565" cy="1130978"/>
           </a:xfrm>
           <a:prstGeom prst="rect">
             <a:avLst/>
           </a:prstGeom>
         </p:spPr>
       </p:pic>
+      <p:pic>
+        <p:nvPicPr>
+          <p:cNvPr id="11" name="Picture 10">
+            <a:extLst>
+              <a:ext uri="{FF2B5EF4-FFF2-40B4-BE49-F238E27FC236}">
+                <a16:creationId xmlns:a16="http://schemas.microsoft.com/office/drawing/2014/main" id="{C89FA26F-F9BC-4E86-9A65-B5F9FE9E5F06}"/>
+              </a:ext>
+            </a:extLst>
+          </p:cNvPr>
+          <p:cNvPicPr>
+            <a:picLocks noChangeAspect="1"/>
+          </p:cNvPicPr>
+          <p:nvPr/>
+        </p:nvPicPr>
+        <p:blipFill>
+          <a:blip r:embed="rId5"/>
+          <a:stretch>
+            <a:fillRect/>
+          </a:stretch>
+        </p:blipFill>
+        <p:spPr>
+          <a:xfrm>
+            <a:off x="2930567" y="4566742"/>
+            <a:ext cx="2288960" cy="1430600"/>
+          </a:xfrm>
+          <a:prstGeom prst="rect">
+            <a:avLst/>
+          </a:prstGeom>
+        </p:spPr>
+      </p:pic>
+      <p:pic>
+        <p:nvPicPr>
+          <p:cNvPr id="12" name="Picture 11">
+            <a:extLst>
+              <a:ext uri="{FF2B5EF4-FFF2-40B4-BE49-F238E27FC236}">
+                <a16:creationId xmlns:a16="http://schemas.microsoft.com/office/drawing/2014/main" id="{159A4FC0-CE62-4533-8AC4-513E2F90EC22}"/>
+              </a:ext>
+            </a:extLst>
+          </p:cNvPr>
+          <p:cNvPicPr>
+            <a:picLocks noChangeAspect="1"/>
+          </p:cNvPicPr>
+          <p:nvPr/>
+        </p:nvPicPr>
+        <p:blipFill>
+          <a:blip r:embed="rId6"/>
+          <a:stretch>
+            <a:fillRect/>
+          </a:stretch>
+        </p:blipFill>
+        <p:spPr>
+          <a:xfrm>
+            <a:off x="3684076" y="2745870"/>
+            <a:ext cx="1294660" cy="809163"/>
+          </a:xfrm>
+          <a:prstGeom prst="rect">
+            <a:avLst/>
+          </a:prstGeom>
+        </p:spPr>
+      </p:pic>
+      <p:pic>
+        <p:nvPicPr>
+          <p:cNvPr id="13" name="Picture 12">
+            <a:extLst>
+              <a:ext uri="{FF2B5EF4-FFF2-40B4-BE49-F238E27FC236}">
+                <a16:creationId xmlns:a16="http://schemas.microsoft.com/office/drawing/2014/main" id="{856CF3F8-E9D3-42BF-BD60-CD9FD40A4FE2}"/>
+              </a:ext>
+            </a:extLst>
+          </p:cNvPr>
+          <p:cNvPicPr>
+            <a:picLocks noChangeAspect="1"/>
+          </p:cNvPicPr>
+          <p:nvPr/>
+        </p:nvPicPr>
+        <p:blipFill>
+          <a:blip r:embed="rId7"/>
+          <a:stretch>
+            <a:fillRect/>
+          </a:stretch>
+        </p:blipFill>
+        <p:spPr>
+          <a:xfrm>
+            <a:off x="5241061" y="3411051"/>
+            <a:ext cx="2037996" cy="1273748"/>
+          </a:xfrm>
+          <a:prstGeom prst="rect">
+            <a:avLst/>
+          </a:prstGeom>
+        </p:spPr>
+      </p:pic>
+      <p:pic>
+        <p:nvPicPr>
+          <p:cNvPr id="14" name="Picture 13">
+            <a:extLst>
+              <a:ext uri="{FF2B5EF4-FFF2-40B4-BE49-F238E27FC236}">
+                <a16:creationId xmlns:a16="http://schemas.microsoft.com/office/drawing/2014/main" id="{E7010B49-A800-4285-A85B-6CABB1B845BE}"/>
+              </a:ext>
+            </a:extLst>
+          </p:cNvPr>
+          <p:cNvPicPr>
+            <a:picLocks noChangeAspect="1"/>
+          </p:cNvPicPr>
+          <p:nvPr/>
+        </p:nvPicPr>
+        <p:blipFill>
+          <a:blip r:embed="rId8"/>
+          <a:stretch>
+            <a:fillRect/>
+          </a:stretch>
+        </p:blipFill>
+        <p:spPr>
+          <a:xfrm>
+            <a:off x="8911314" y="69389"/>
+            <a:ext cx="3147521" cy="1967201"/>
+          </a:xfrm>
+          <a:prstGeom prst="rect">
+            <a:avLst/>
+          </a:prstGeom>
+        </p:spPr>
+      </p:pic>
+      <p:pic>
+        <p:nvPicPr>
+          <p:cNvPr id="15" name="Picture 14">
+            <a:extLst>
+              <a:ext uri="{FF2B5EF4-FFF2-40B4-BE49-F238E27FC236}">
+                <a16:creationId xmlns:a16="http://schemas.microsoft.com/office/drawing/2014/main" id="{A606493F-9593-42B8-9BFB-7B53E3344E12}"/>
+              </a:ext>
+            </a:extLst>
+          </p:cNvPr>
+          <p:cNvPicPr>
+            <a:picLocks noChangeAspect="1"/>
+          </p:cNvPicPr>
+          <p:nvPr/>
+        </p:nvPicPr>
+        <p:blipFill>
+          <a:blip r:embed="rId9"/>
+          <a:stretch>
+            <a:fillRect/>
+          </a:stretch>
+        </p:blipFill>
+        <p:spPr>
+          <a:xfrm>
+            <a:off x="6001022" y="213392"/>
+            <a:ext cx="2286000" cy="1428750"/>
+          </a:xfrm>
+          <a:prstGeom prst="rect">
+            <a:avLst/>
+          </a:prstGeom>
+        </p:spPr>
+      </p:pic>
+      <p:pic>
+        <p:nvPicPr>
+          <p:cNvPr id="16" name="Picture 15">
+            <a:extLst>
+              <a:ext uri="{FF2B5EF4-FFF2-40B4-BE49-F238E27FC236}">
+                <a16:creationId xmlns:a16="http://schemas.microsoft.com/office/drawing/2014/main" id="{AE610A2B-DD83-4E3B-B99C-A57BB33A6DCC}"/>
+              </a:ext>
+            </a:extLst>
+          </p:cNvPr>
+          <p:cNvPicPr>
+            <a:picLocks noChangeAspect="1"/>
+          </p:cNvPicPr>
+          <p:nvPr/>
+        </p:nvPicPr>
+        <p:blipFill>
+          <a:blip r:embed="rId10"/>
+          <a:stretch>
+            <a:fillRect/>
+          </a:stretch>
+        </p:blipFill>
+        <p:spPr>
+          <a:xfrm>
+            <a:off x="786148" y="1524667"/>
+            <a:ext cx="1809563" cy="1130977"/>
+          </a:xfrm>
+          <a:prstGeom prst="rect">
+            <a:avLst/>
+          </a:prstGeom>
+        </p:spPr>
+      </p:pic>
+      <p:pic>
+        <p:nvPicPr>
+          <p:cNvPr id="17" name="Picture 16">
+            <a:extLst>
+              <a:ext uri="{FF2B5EF4-FFF2-40B4-BE49-F238E27FC236}">
+                <a16:creationId xmlns:a16="http://schemas.microsoft.com/office/drawing/2014/main" id="{7667A4BB-E413-4950-BD88-C9BE43DD3F6B}"/>
+              </a:ext>
+            </a:extLst>
+          </p:cNvPr>
+          <p:cNvPicPr>
+            <a:picLocks noChangeAspect="1"/>
+          </p:cNvPicPr>
+          <p:nvPr/>
+        </p:nvPicPr>
+        <p:blipFill>
+          <a:blip r:embed="rId11"/>
+          <a:stretch>
+            <a:fillRect/>
+          </a:stretch>
+        </p:blipFill>
+        <p:spPr>
+          <a:xfrm>
+            <a:off x="7469971" y="2503608"/>
+            <a:ext cx="2175974" cy="1359984"/>
+          </a:xfrm>
+          <a:prstGeom prst="rect">
+            <a:avLst/>
+          </a:prstGeom>
+        </p:spPr>
+      </p:pic>
+      <p:pic>
+        <p:nvPicPr>
+          <p:cNvPr id="18" name="Picture 17">
+            <a:extLst>
+              <a:ext uri="{FF2B5EF4-FFF2-40B4-BE49-F238E27FC236}">
+                <a16:creationId xmlns:a16="http://schemas.microsoft.com/office/drawing/2014/main" id="{E4FC2B2A-44C9-4EC0-BE01-57454861BD28}"/>
+              </a:ext>
+            </a:extLst>
+          </p:cNvPr>
+          <p:cNvPicPr>
+            <a:picLocks noChangeAspect="1"/>
+          </p:cNvPicPr>
+          <p:nvPr/>
+        </p:nvPicPr>
+        <p:blipFill>
+          <a:blip r:embed="rId12"/>
+          <a:stretch>
+            <a:fillRect/>
+          </a:stretch>
+        </p:blipFill>
+        <p:spPr>
+          <a:xfrm>
+            <a:off x="9727976" y="4056309"/>
+            <a:ext cx="2286000" cy="1428750"/>
+          </a:xfrm>
+          <a:prstGeom prst="rect">
+            <a:avLst/>
+          </a:prstGeom>
+        </p:spPr>
+      </p:pic>
+      <p:cxnSp>
+        <p:nvCxnSpPr>
+          <p:cNvPr id="19" name="Straight Arrow Connector 18">
+            <a:extLst>
+              <a:ext uri="{FF2B5EF4-FFF2-40B4-BE49-F238E27FC236}">
+                <a16:creationId xmlns:a16="http://schemas.microsoft.com/office/drawing/2014/main" id="{E7D44C41-52EB-4B93-9A43-02596F969F54}"/>
+              </a:ext>
+            </a:extLst>
+          </p:cNvPr>
+          <p:cNvCxnSpPr>
+            <a:cxnSpLocks/>
+          </p:cNvCxnSpPr>
+          <p:nvPr/>
+        </p:nvCxnSpPr>
+        <p:spPr>
+          <a:xfrm flipV="1">
+            <a:off x="1322340" y="2655644"/>
+            <a:ext cx="290458" cy="317236"/>
+          </a:xfrm>
+          <a:prstGeom prst="straightConnector1">
+            <a:avLst/>
+          </a:prstGeom>
+          <a:ln>
+            <a:tailEnd type="triangle"/>
+          </a:ln>
+        </p:spPr>
+        <p:style>
+          <a:lnRef idx="3">
+            <a:schemeClr val="accent1"/>
+          </a:lnRef>
+          <a:fillRef idx="0">
+            <a:schemeClr val="accent1"/>
+          </a:fillRef>
+          <a:effectRef idx="2">
+            <a:schemeClr val="accent1"/>
+          </a:effectRef>
+          <a:fontRef idx="minor">
+            <a:schemeClr val="tx1"/>
+          </a:fontRef>
+        </p:style>
+      </p:cxnSp>
+      <p:cxnSp>
+        <p:nvCxnSpPr>
+          <p:cNvPr id="20" name="Straight Arrow Connector 19">
+            <a:extLst>
+              <a:ext uri="{FF2B5EF4-FFF2-40B4-BE49-F238E27FC236}">
+                <a16:creationId xmlns:a16="http://schemas.microsoft.com/office/drawing/2014/main" id="{823FB869-968F-4D3D-892D-EE5E4A78D728}"/>
+              </a:ext>
+            </a:extLst>
+          </p:cNvPr>
+          <p:cNvCxnSpPr>
+            <a:cxnSpLocks/>
+          </p:cNvCxnSpPr>
+          <p:nvPr/>
+        </p:nvCxnSpPr>
+        <p:spPr>
+          <a:xfrm flipH="1">
+            <a:off x="1209619" y="3329126"/>
+            <a:ext cx="398249" cy="1135393"/>
+          </a:xfrm>
+          <a:prstGeom prst="straightConnector1">
+            <a:avLst/>
+          </a:prstGeom>
+          <a:ln>
+            <a:tailEnd type="triangle"/>
+          </a:ln>
+        </p:spPr>
+        <p:style>
+          <a:lnRef idx="3">
+            <a:schemeClr val="accent1"/>
+          </a:lnRef>
+          <a:fillRef idx="0">
+            <a:schemeClr val="accent1"/>
+          </a:fillRef>
+          <a:effectRef idx="2">
+            <a:schemeClr val="accent1"/>
+          </a:effectRef>
+          <a:fontRef idx="minor">
+            <a:schemeClr val="tx1"/>
+          </a:fontRef>
+        </p:style>
+      </p:cxnSp>
+      <p:cxnSp>
+        <p:nvCxnSpPr>
+          <p:cNvPr id="21" name="Straight Arrow Connector 20">
+            <a:extLst>
+              <a:ext uri="{FF2B5EF4-FFF2-40B4-BE49-F238E27FC236}">
+                <a16:creationId xmlns:a16="http://schemas.microsoft.com/office/drawing/2014/main" id="{CDE661E9-8204-4AC1-94F1-2C856BAB912D}"/>
+              </a:ext>
+            </a:extLst>
+          </p:cNvPr>
+          <p:cNvCxnSpPr>
+            <a:cxnSpLocks/>
+          </p:cNvCxnSpPr>
+          <p:nvPr/>
+        </p:nvCxnSpPr>
+        <p:spPr>
+          <a:xfrm>
+            <a:off x="2795168" y="4235624"/>
+            <a:ext cx="318444" cy="449175"/>
+          </a:xfrm>
+          <a:prstGeom prst="straightConnector1">
+            <a:avLst/>
+          </a:prstGeom>
+          <a:ln>
+            <a:tailEnd type="triangle"/>
+          </a:ln>
+        </p:spPr>
+        <p:style>
+          <a:lnRef idx="3">
+            <a:schemeClr val="accent1"/>
+          </a:lnRef>
+          <a:fillRef idx="0">
+            <a:schemeClr val="accent1"/>
+          </a:fillRef>
+          <a:effectRef idx="2">
+            <a:schemeClr val="accent1"/>
+          </a:effectRef>
+          <a:fontRef idx="minor">
+            <a:schemeClr val="tx1"/>
+          </a:fontRef>
+        </p:style>
+      </p:cxnSp>
+      <p:cxnSp>
+        <p:nvCxnSpPr>
+          <p:cNvPr id="22" name="Straight Arrow Connector 21">
+            <a:extLst>
+              <a:ext uri="{FF2B5EF4-FFF2-40B4-BE49-F238E27FC236}">
+                <a16:creationId xmlns:a16="http://schemas.microsoft.com/office/drawing/2014/main" id="{3FCBEC57-54E7-4D0B-8042-6469A59C0271}"/>
+              </a:ext>
+            </a:extLst>
+          </p:cNvPr>
+          <p:cNvCxnSpPr>
+            <a:cxnSpLocks/>
+          </p:cNvCxnSpPr>
+          <p:nvPr/>
+        </p:nvCxnSpPr>
+        <p:spPr>
+          <a:xfrm>
+            <a:off x="3908032" y="3522757"/>
+            <a:ext cx="255595" cy="277121"/>
+          </a:xfrm>
+          <a:prstGeom prst="straightConnector1">
+            <a:avLst/>
+          </a:prstGeom>
+          <a:ln>
+            <a:tailEnd type="triangle"/>
+          </a:ln>
+        </p:spPr>
+        <p:style>
+          <a:lnRef idx="3">
+            <a:schemeClr val="accent1"/>
+          </a:lnRef>
+          <a:fillRef idx="0">
+            <a:schemeClr val="accent1"/>
+          </a:fillRef>
+          <a:effectRef idx="2">
+            <a:schemeClr val="accent1"/>
+          </a:effectRef>
+          <a:fontRef idx="minor">
+            <a:schemeClr val="tx1"/>
+          </a:fontRef>
+        </p:style>
+      </p:cxnSp>
+      <p:cxnSp>
+        <p:nvCxnSpPr>
+          <p:cNvPr id="23" name="Straight Arrow Connector 22">
+            <a:extLst>
+              <a:ext uri="{FF2B5EF4-FFF2-40B4-BE49-F238E27FC236}">
+                <a16:creationId xmlns:a16="http://schemas.microsoft.com/office/drawing/2014/main" id="{E157B8E0-B68A-432A-A6E0-9D75EB391DC0}"/>
+              </a:ext>
+            </a:extLst>
+          </p:cNvPr>
+          <p:cNvCxnSpPr>
+            <a:cxnSpLocks/>
+          </p:cNvCxnSpPr>
+          <p:nvPr/>
+        </p:nvCxnSpPr>
+        <p:spPr>
+          <a:xfrm flipV="1">
+            <a:off x="3275024" y="2435482"/>
+            <a:ext cx="433644" cy="189712"/>
+          </a:xfrm>
+          <a:prstGeom prst="straightConnector1">
+            <a:avLst/>
+          </a:prstGeom>
+          <a:ln>
+            <a:tailEnd type="triangle"/>
+          </a:ln>
+        </p:spPr>
+        <p:style>
+          <a:lnRef idx="3">
+            <a:schemeClr val="accent1"/>
+          </a:lnRef>
+          <a:fillRef idx="0">
+            <a:schemeClr val="accent1"/>
+          </a:fillRef>
+          <a:effectRef idx="2">
+            <a:schemeClr val="accent1"/>
+          </a:effectRef>
+          <a:fontRef idx="minor">
+            <a:schemeClr val="tx1"/>
+          </a:fontRef>
+        </p:style>
+      </p:cxnSp>
+      <p:pic>
+        <p:nvPicPr>
+          <p:cNvPr id="24" name="Picture 23">
+            <a:extLst>
+              <a:ext uri="{FF2B5EF4-FFF2-40B4-BE49-F238E27FC236}">
+                <a16:creationId xmlns:a16="http://schemas.microsoft.com/office/drawing/2014/main" id="{D5B2A86F-9F1E-4FF8-8C21-4A46536CC37D}"/>
+              </a:ext>
+            </a:extLst>
+          </p:cNvPr>
+          <p:cNvPicPr>
+            <a:picLocks noChangeAspect="1"/>
+          </p:cNvPicPr>
+          <p:nvPr/>
+        </p:nvPicPr>
+        <p:blipFill>
+          <a:blip r:embed="rId13"/>
+          <a:stretch>
+            <a:fillRect/>
+          </a:stretch>
+        </p:blipFill>
+        <p:spPr>
+          <a:xfrm>
+            <a:off x="2639676" y="-2163"/>
+            <a:ext cx="1595705" cy="997316"/>
+          </a:xfrm>
+          <a:prstGeom prst="rect">
+            <a:avLst/>
+          </a:prstGeom>
+        </p:spPr>
+      </p:pic>
+      <p:cxnSp>
+        <p:nvCxnSpPr>
+          <p:cNvPr id="25" name="Straight Arrow Connector 24">
+            <a:extLst>
+              <a:ext uri="{FF2B5EF4-FFF2-40B4-BE49-F238E27FC236}">
+                <a16:creationId xmlns:a16="http://schemas.microsoft.com/office/drawing/2014/main" id="{63F4BC0D-5321-4014-BF19-E236C67EEC0E}"/>
+              </a:ext>
+            </a:extLst>
+          </p:cNvPr>
+          <p:cNvCxnSpPr>
+            <a:cxnSpLocks/>
+          </p:cNvCxnSpPr>
+          <p:nvPr/>
+        </p:nvCxnSpPr>
+        <p:spPr>
+          <a:xfrm flipV="1">
+            <a:off x="2181016" y="860658"/>
+            <a:ext cx="1109662" cy="2468468"/>
+          </a:xfrm>
+          <a:prstGeom prst="straightConnector1">
+            <a:avLst/>
+          </a:prstGeom>
+          <a:ln>
+            <a:tailEnd type="triangle"/>
+          </a:ln>
+        </p:spPr>
+        <p:style>
+          <a:lnRef idx="3">
+            <a:schemeClr val="accent1"/>
+          </a:lnRef>
+          <a:fillRef idx="0">
+            <a:schemeClr val="accent1"/>
+          </a:fillRef>
+          <a:effectRef idx="2">
+            <a:schemeClr val="accent1"/>
+          </a:effectRef>
+          <a:fontRef idx="minor">
+            <a:schemeClr val="tx1"/>
+          </a:fontRef>
+        </p:style>
+      </p:cxnSp>
+      <p:cxnSp>
+        <p:nvCxnSpPr>
+          <p:cNvPr id="26" name="Straight Arrow Connector 25">
+            <a:extLst>
+              <a:ext uri="{FF2B5EF4-FFF2-40B4-BE49-F238E27FC236}">
+                <a16:creationId xmlns:a16="http://schemas.microsoft.com/office/drawing/2014/main" id="{E48C8BB5-DE68-4D7C-8EC7-A9525D6B6598}"/>
+              </a:ext>
+            </a:extLst>
+          </p:cNvPr>
+          <p:cNvCxnSpPr>
+            <a:cxnSpLocks/>
+          </p:cNvCxnSpPr>
+          <p:nvPr/>
+        </p:nvCxnSpPr>
+        <p:spPr>
+          <a:xfrm flipV="1">
+            <a:off x="5075944" y="4437216"/>
+            <a:ext cx="330234" cy="327724"/>
+          </a:xfrm>
+          <a:prstGeom prst="straightConnector1">
+            <a:avLst/>
+          </a:prstGeom>
+          <a:ln>
+            <a:tailEnd type="triangle"/>
+          </a:ln>
+        </p:spPr>
+        <p:style>
+          <a:lnRef idx="3">
+            <a:schemeClr val="accent1"/>
+          </a:lnRef>
+          <a:fillRef idx="0">
+            <a:schemeClr val="accent1"/>
+          </a:fillRef>
+          <a:effectRef idx="2">
+            <a:schemeClr val="accent1"/>
+          </a:effectRef>
+          <a:fontRef idx="minor">
+            <a:schemeClr val="tx1"/>
+          </a:fontRef>
+        </p:style>
+      </p:cxnSp>
+      <p:cxnSp>
+        <p:nvCxnSpPr>
+          <p:cNvPr id="27" name="Straight Arrow Connector 26">
+            <a:extLst>
+              <a:ext uri="{FF2B5EF4-FFF2-40B4-BE49-F238E27FC236}">
+                <a16:creationId xmlns:a16="http://schemas.microsoft.com/office/drawing/2014/main" id="{7A5B8CCE-FC83-48DA-8D6E-F465E9D002F9}"/>
+              </a:ext>
+            </a:extLst>
+          </p:cNvPr>
+          <p:cNvCxnSpPr>
+            <a:cxnSpLocks/>
+          </p:cNvCxnSpPr>
+          <p:nvPr/>
+        </p:nvCxnSpPr>
+        <p:spPr>
+          <a:xfrm flipH="1" flipV="1">
+            <a:off x="8132938" y="3892191"/>
+            <a:ext cx="906433" cy="1168081"/>
+          </a:xfrm>
+          <a:prstGeom prst="straightConnector1">
+            <a:avLst/>
+          </a:prstGeom>
+          <a:ln>
+            <a:tailEnd type="triangle"/>
+          </a:ln>
+        </p:spPr>
+        <p:style>
+          <a:lnRef idx="3">
+            <a:schemeClr val="accent1"/>
+          </a:lnRef>
+          <a:fillRef idx="0">
+            <a:schemeClr val="accent1"/>
+          </a:fillRef>
+          <a:effectRef idx="2">
+            <a:schemeClr val="accent1"/>
+          </a:effectRef>
+          <a:fontRef idx="minor">
+            <a:schemeClr val="tx1"/>
+          </a:fontRef>
+        </p:style>
+      </p:cxnSp>
+      <p:cxnSp>
+        <p:nvCxnSpPr>
+          <p:cNvPr id="28" name="Straight Arrow Connector 27">
+            <a:extLst>
+              <a:ext uri="{FF2B5EF4-FFF2-40B4-BE49-F238E27FC236}">
+                <a16:creationId xmlns:a16="http://schemas.microsoft.com/office/drawing/2014/main" id="{25247411-000D-4D6E-94E7-8DF4DC8BCB0D}"/>
+              </a:ext>
+            </a:extLst>
+          </p:cNvPr>
+          <p:cNvCxnSpPr>
+            <a:cxnSpLocks/>
+          </p:cNvCxnSpPr>
+          <p:nvPr/>
+        </p:nvCxnSpPr>
+        <p:spPr>
+          <a:xfrm>
+            <a:off x="9613014" y="3993641"/>
+            <a:ext cx="280238" cy="336969"/>
+          </a:xfrm>
+          <a:prstGeom prst="straightConnector1">
+            <a:avLst/>
+          </a:prstGeom>
+          <a:ln>
+            <a:tailEnd type="triangle"/>
+          </a:ln>
+        </p:spPr>
+        <p:style>
+          <a:lnRef idx="3">
+            <a:schemeClr val="accent1"/>
+          </a:lnRef>
+          <a:fillRef idx="0">
+            <a:schemeClr val="accent1"/>
+          </a:fillRef>
+          <a:effectRef idx="2">
+            <a:schemeClr val="accent1"/>
+          </a:effectRef>
+          <a:fontRef idx="minor">
+            <a:schemeClr val="tx1"/>
+          </a:fontRef>
+        </p:style>
+      </p:cxnSp>
+      <p:cxnSp>
+        <p:nvCxnSpPr>
+          <p:cNvPr id="29" name="Straight Arrow Connector 28">
+            <a:extLst>
+              <a:ext uri="{FF2B5EF4-FFF2-40B4-BE49-F238E27FC236}">
+                <a16:creationId xmlns:a16="http://schemas.microsoft.com/office/drawing/2014/main" id="{B395809F-107D-440D-B917-8168A5773040}"/>
+              </a:ext>
+            </a:extLst>
+          </p:cNvPr>
+          <p:cNvCxnSpPr>
+            <a:cxnSpLocks/>
+          </p:cNvCxnSpPr>
+          <p:nvPr/>
+        </p:nvCxnSpPr>
+        <p:spPr>
+          <a:xfrm flipH="1" flipV="1">
+            <a:off x="6693787" y="1531208"/>
+            <a:ext cx="1272824" cy="368028"/>
+          </a:xfrm>
+          <a:prstGeom prst="straightConnector1">
+            <a:avLst/>
+          </a:prstGeom>
+          <a:ln>
+            <a:tailEnd type="triangle"/>
+          </a:ln>
+        </p:spPr>
+        <p:style>
+          <a:lnRef idx="3">
+            <a:schemeClr val="accent1"/>
+          </a:lnRef>
+          <a:fillRef idx="0">
+            <a:schemeClr val="accent1"/>
+          </a:fillRef>
+          <a:effectRef idx="2">
+            <a:schemeClr val="accent1"/>
+          </a:effectRef>
+          <a:fontRef idx="minor">
+            <a:schemeClr val="tx1"/>
+          </a:fontRef>
+        </p:style>
+      </p:cxnSp>
+      <p:cxnSp>
+        <p:nvCxnSpPr>
+          <p:cNvPr id="30" name="Straight Arrow Connector 29">
+            <a:extLst>
+              <a:ext uri="{FF2B5EF4-FFF2-40B4-BE49-F238E27FC236}">
+                <a16:creationId xmlns:a16="http://schemas.microsoft.com/office/drawing/2014/main" id="{FBDCE218-EDB1-4ED9-BEAB-0E080DC778EE}"/>
+              </a:ext>
+            </a:extLst>
+          </p:cNvPr>
+          <p:cNvCxnSpPr>
+            <a:cxnSpLocks/>
+          </p:cNvCxnSpPr>
+          <p:nvPr/>
+        </p:nvCxnSpPr>
+        <p:spPr>
+          <a:xfrm flipH="1" flipV="1">
+            <a:off x="9399529" y="2036590"/>
+            <a:ext cx="626701" cy="1756548"/>
+          </a:xfrm>
+          <a:prstGeom prst="straightConnector1">
+            <a:avLst/>
+          </a:prstGeom>
+          <a:ln>
+            <a:tailEnd type="triangle"/>
+          </a:ln>
+        </p:spPr>
+        <p:style>
+          <a:lnRef idx="3">
+            <a:schemeClr val="accent1"/>
+          </a:lnRef>
+          <a:fillRef idx="0">
+            <a:schemeClr val="accent1"/>
+          </a:fillRef>
+          <a:effectRef idx="2">
+            <a:schemeClr val="accent1"/>
+          </a:effectRef>
+          <a:fontRef idx="minor">
+            <a:schemeClr val="tx1"/>
+          </a:fontRef>
+        </p:style>
+      </p:cxnSp>
     </p:spTree>
     <p:extLst>
       <p:ext uri="{BB962C8B-B14F-4D97-AF65-F5344CB8AC3E}">
@@ -9709,31 +10601,6 @@
           </a:prstGeom>
         </p:spPr>
       </p:pic>
-      <p:sp>
-        <p:nvSpPr>
-          <p:cNvPr id="2" name="Title 1">
-            <a:extLst>
-              <a:ext uri="{FF2B5EF4-FFF2-40B4-BE49-F238E27FC236}">
-                <a16:creationId xmlns:a16="http://schemas.microsoft.com/office/drawing/2014/main" id="{C876A527-5C93-496E-A35F-AB7EDDB6999C}"/>
-              </a:ext>
-            </a:extLst>
-          </p:cNvPr>
-          <p:cNvSpPr>
-            <a:spLocks noGrp="1"/>
-          </p:cNvSpPr>
-          <p:nvPr>
-            <p:ph type="title"/>
-          </p:nvPr>
-        </p:nvSpPr>
-        <p:spPr/>
-        <p:txBody>
-          <a:bodyPr/>
-          <a:lstStyle/>
-          <a:p>
-            <a:endParaRPr lang="fr-BE" dirty="0"/>
-          </a:p>
-        </p:txBody>
-      </p:sp>
       <p:pic>
         <p:nvPicPr>
           <p:cNvPr id="10" name="Content Placeholder 9">
@@ -13571,8 +14438,8 @@
           </a:p>
         </p:txBody>
       </p:sp>
-      <mc:AlternateContent xmlns:mc="http://schemas.openxmlformats.org/markup-compatibility/2006">
-        <mc:Choice xmlns:a14="http://schemas.microsoft.com/office/drawing/2010/main" Requires="a14">
+      <mc:AlternateContent xmlns:mc="http://schemas.openxmlformats.org/markup-compatibility/2006" xmlns:a14="http://schemas.microsoft.com/office/drawing/2010/main">
+        <mc:Choice Requires="a14">
           <p:sp>
             <p:nvSpPr>
               <p:cNvPr id="7" name="TextBox 6">
@@ -13601,6 +14468,7 @@
               </a:bodyPr>
               <a:lstStyle/>
               <a:p>
+                <a:pPr/>
                 <a14:m>
                   <m:oMathPara xmlns:m="http://schemas.openxmlformats.org/officeDocument/2006/math">
                     <m:oMathParaPr>
@@ -13676,7 +14544,7 @@
             </p:txBody>
           </p:sp>
         </mc:Choice>
-        <mc:Fallback>
+        <mc:Fallback xmlns="">
           <p:sp>
             <p:nvSpPr>
               <p:cNvPr id="7" name="TextBox 6">
@@ -13721,8 +14589,8 @@
           </p:sp>
         </mc:Fallback>
       </mc:AlternateContent>
-      <mc:AlternateContent xmlns:mc="http://schemas.openxmlformats.org/markup-compatibility/2006">
-        <mc:Choice xmlns:a14="http://schemas.microsoft.com/office/drawing/2010/main" Requires="a14">
+      <mc:AlternateContent xmlns:mc="http://schemas.openxmlformats.org/markup-compatibility/2006" xmlns:a14="http://schemas.microsoft.com/office/drawing/2010/main">
+        <mc:Choice Requires="a14">
           <p:sp>
             <p:nvSpPr>
               <p:cNvPr id="8" name="TextBox 7">
@@ -13751,6 +14619,7 @@
               </a:bodyPr>
               <a:lstStyle/>
               <a:p>
+                <a:pPr/>
                 <a14:m>
                   <m:oMathPara xmlns:m="http://schemas.openxmlformats.org/officeDocument/2006/math">
                     <m:oMathParaPr>
@@ -13783,7 +14652,7 @@
             </p:txBody>
           </p:sp>
         </mc:Choice>
-        <mc:Fallback>
+        <mc:Fallback xmlns="">
           <p:sp>
             <p:nvSpPr>
               <p:cNvPr id="8" name="TextBox 7">
